--- a/Documentation/EXPO Poster/EXPO25 C-ALL Poster 48x36.pptx
+++ b/Documentation/EXPO Poster/EXPO25 C-ALL Poster 48x36.pptx
@@ -8,7 +8,7 @@
     <p:notesMasterId r:id="rId5"/>
   </p:notesMasterIdLst>
   <p:sldIdLst>
-    <p:sldId id="259" r:id="rId4"/>
+    <p:sldId id="260" r:id="rId4"/>
   </p:sldIdLst>
   <p:sldSz cx="43891200" cy="32918400"/>
   <p:notesSz cx="6858000" cy="9144000"/>
@@ -228,7 +228,8 @@
 <file path=ppt/revisionInfo.xml><?xml version="1.0" encoding="utf-8"?>
 <p1510:revInfo xmlns:a="http://schemas.openxmlformats.org/drawingml/2006/main" xmlns:r="http://schemas.openxmlformats.org/officeDocument/2006/relationships" xmlns:p1510="http://schemas.microsoft.com/office/powerpoint/2015/10/main">
   <p1510:revLst>
-    <p1510:client id="{92108224-B351-7C4F-B0EA-9C28704B5AD0}" v="3" dt="2025-04-03T04:00:50.892"/>
+    <p1510:client id="{92108224-B351-7C4F-B0EA-9C28704B5AD0}" v="19" dt="2025-04-04T00:25:13.570"/>
+    <p1510:client id="{B36A8D64-7688-9B88-9D6A-506A5F4BFF0C}" v="16" dt="2025-04-03T19:56:18.443"/>
   </p1510:revLst>
 </p1510:revInfo>
 </file>
@@ -238,7 +239,7 @@
   <pc:docChgLst>
     <pc:chgData name="Neeti Mistry" userId="c817d47e-df5e-4223-a95f-e2bd3e2903ae" providerId="ADAL" clId="{92108224-B351-7C4F-B0EA-9C28704B5AD0}"/>
     <pc:docChg chg="undo redo custSel addSld delSld modSld sldOrd">
-      <pc:chgData name="Neeti Mistry" userId="c817d47e-df5e-4223-a95f-e2bd3e2903ae" providerId="ADAL" clId="{92108224-B351-7C4F-B0EA-9C28704B5AD0}" dt="2025-04-03T04:00:50.891" v="8099" actId="14100"/>
+      <pc:chgData name="Neeti Mistry" userId="c817d47e-df5e-4223-a95f-e2bd3e2903ae" providerId="ADAL" clId="{92108224-B351-7C4F-B0EA-9C28704B5AD0}" dt="2025-04-04T00:25:46.961" v="8428" actId="2696"/>
       <pc:docMkLst>
         <pc:docMk/>
       </pc:docMkLst>
@@ -255,70 +256,6 @@
           <pc:docMk/>
           <pc:sldMk cId="0" sldId="257"/>
         </pc:sldMkLst>
-        <pc:spChg chg="add mod">
-          <ac:chgData name="Neeti Mistry" userId="c817d47e-df5e-4223-a95f-e2bd3e2903ae" providerId="ADAL" clId="{92108224-B351-7C4F-B0EA-9C28704B5AD0}" dt="2025-03-27T22:20:19.170" v="8076" actId="1076"/>
-          <ac:spMkLst>
-            <pc:docMk/>
-            <pc:sldMk cId="0" sldId="257"/>
-            <ac:spMk id="3" creationId="{E1EDD858-3DC9-840E-6F3A-BC1A5B1E43B0}"/>
-          </ac:spMkLst>
-        </pc:spChg>
-        <pc:spChg chg="add mod">
-          <ac:chgData name="Neeti Mistry" userId="c817d47e-df5e-4223-a95f-e2bd3e2903ae" providerId="ADAL" clId="{92108224-B351-7C4F-B0EA-9C28704B5AD0}" dt="2025-03-27T05:19:14.029" v="7304" actId="20578"/>
-          <ac:spMkLst>
-            <pc:docMk/>
-            <pc:sldMk cId="0" sldId="257"/>
-            <ac:spMk id="4" creationId="{7B963A53-F8B2-900D-3A07-73D94C62CADC}"/>
-          </ac:spMkLst>
-        </pc:spChg>
-        <pc:spChg chg="mod">
-          <ac:chgData name="Neeti Mistry" userId="c817d47e-df5e-4223-a95f-e2bd3e2903ae" providerId="ADAL" clId="{92108224-B351-7C4F-B0EA-9C28704B5AD0}" dt="2025-03-27T05:01:32.843" v="5046" actId="14100"/>
-          <ac:spMkLst>
-            <pc:docMk/>
-            <pc:sldMk cId="0" sldId="257"/>
-            <ac:spMk id="5" creationId="{F73BEADA-8BC4-BCA2-3F65-818521DA68F0}"/>
-          </ac:spMkLst>
-        </pc:spChg>
-        <pc:spChg chg="mod">
-          <ac:chgData name="Neeti Mistry" userId="c817d47e-df5e-4223-a95f-e2bd3e2903ae" providerId="ADAL" clId="{92108224-B351-7C4F-B0EA-9C28704B5AD0}" dt="2025-03-27T05:06:33.485" v="5437" actId="14100"/>
-          <ac:spMkLst>
-            <pc:docMk/>
-            <pc:sldMk cId="0" sldId="257"/>
-            <ac:spMk id="6146" creationId="{D04E0F90-5E99-27D5-D66B-D1CF99143A56}"/>
-          </ac:spMkLst>
-        </pc:spChg>
-        <pc:spChg chg="mod">
-          <ac:chgData name="Neeti Mistry" userId="c817d47e-df5e-4223-a95f-e2bd3e2903ae" providerId="ADAL" clId="{92108224-B351-7C4F-B0EA-9C28704B5AD0}" dt="2025-03-27T05:27:51.142" v="8075" actId="20577"/>
-          <ac:spMkLst>
-            <pc:docMk/>
-            <pc:sldMk cId="0" sldId="257"/>
-            <ac:spMk id="6152" creationId="{841E300D-5E12-5AC6-7293-41CFD702245E}"/>
-          </ac:spMkLst>
-        </pc:spChg>
-        <pc:spChg chg="mod">
-          <ac:chgData name="Neeti Mistry" userId="c817d47e-df5e-4223-a95f-e2bd3e2903ae" providerId="ADAL" clId="{92108224-B351-7C4F-B0EA-9C28704B5AD0}" dt="2025-03-17T04:50:56.513" v="427" actId="1076"/>
-          <ac:spMkLst>
-            <pc:docMk/>
-            <pc:sldMk cId="0" sldId="257"/>
-            <ac:spMk id="6153" creationId="{8852DBF1-7E4F-C093-933C-75EBE9C72E5D}"/>
-          </ac:spMkLst>
-        </pc:spChg>
-        <pc:spChg chg="mod">
-          <ac:chgData name="Neeti Mistry" userId="c817d47e-df5e-4223-a95f-e2bd3e2903ae" providerId="ADAL" clId="{92108224-B351-7C4F-B0EA-9C28704B5AD0}" dt="2025-03-27T04:30:15.310" v="1938" actId="20577"/>
-          <ac:spMkLst>
-            <pc:docMk/>
-            <pc:sldMk cId="0" sldId="257"/>
-            <ac:spMk id="6154" creationId="{23A93DE9-C3E6-38BD-9A30-8A66EDBD73ED}"/>
-          </ac:spMkLst>
-        </pc:spChg>
-        <pc:picChg chg="add mod">
-          <ac:chgData name="Neeti Mistry" userId="c817d47e-df5e-4223-a95f-e2bd3e2903ae" providerId="ADAL" clId="{92108224-B351-7C4F-B0EA-9C28704B5AD0}" dt="2025-03-27T22:26:12.232" v="8088" actId="1076"/>
-          <ac:picMkLst>
-            <pc:docMk/>
-            <pc:sldMk cId="0" sldId="257"/>
-            <ac:picMk id="6" creationId="{20BBD0A2-5331-5369-688F-0E36AFB031C0}"/>
-          </ac:picMkLst>
-        </pc:picChg>
       </pc:sldChg>
       <pc:sldChg chg="add del">
         <pc:chgData name="Neeti Mistry" userId="c817d47e-df5e-4223-a95f-e2bd3e2903ae" providerId="ADAL" clId="{92108224-B351-7C4F-B0EA-9C28704B5AD0}" dt="2025-04-03T03:58:58.820" v="8090" actId="2696"/>
@@ -327,8 +264,8 @@
           <pc:sldMk cId="4187386098" sldId="258"/>
         </pc:sldMkLst>
       </pc:sldChg>
-      <pc:sldChg chg="modSp mod">
-        <pc:chgData name="Neeti Mistry" userId="c817d47e-df5e-4223-a95f-e2bd3e2903ae" providerId="ADAL" clId="{92108224-B351-7C4F-B0EA-9C28704B5AD0}" dt="2025-04-03T04:00:50.891" v="8099" actId="14100"/>
+      <pc:sldChg chg="modSp del mod">
+        <pc:chgData name="Neeti Mistry" userId="c817d47e-df5e-4223-a95f-e2bd3e2903ae" providerId="ADAL" clId="{92108224-B351-7C4F-B0EA-9C28704B5AD0}" dt="2025-04-04T00:25:46.961" v="8428" actId="2696"/>
         <pc:sldMkLst>
           <pc:docMk/>
           <pc:sldMk cId="3565918475" sldId="259"/>
@@ -382,6 +319,53 @@
           </ac:picMkLst>
         </pc:picChg>
       </pc:sldChg>
+      <pc:sldChg chg="modSp mod">
+        <pc:chgData name="Neeti Mistry" userId="c817d47e-df5e-4223-a95f-e2bd3e2903ae" providerId="ADAL" clId="{92108224-B351-7C4F-B0EA-9C28704B5AD0}" dt="2025-04-04T00:25:13.569" v="8427" actId="1076"/>
+        <pc:sldMkLst>
+          <pc:docMk/>
+          <pc:sldMk cId="2797081393" sldId="260"/>
+        </pc:sldMkLst>
+        <pc:spChg chg="mod">
+          <ac:chgData name="Neeti Mistry" userId="c817d47e-df5e-4223-a95f-e2bd3e2903ae" providerId="ADAL" clId="{92108224-B351-7C4F-B0EA-9C28704B5AD0}" dt="2025-04-04T00:25:13.569" v="8427" actId="1076"/>
+          <ac:spMkLst>
+            <pc:docMk/>
+            <pc:sldMk cId="2797081393" sldId="260"/>
+            <ac:spMk id="3" creationId="{627F5A33-ACE3-B15C-E5EC-B840B038D9AB}"/>
+          </ac:spMkLst>
+        </pc:spChg>
+        <pc:spChg chg="mod">
+          <ac:chgData name="Neeti Mistry" userId="c817d47e-df5e-4223-a95f-e2bd3e2903ae" providerId="ADAL" clId="{92108224-B351-7C4F-B0EA-9C28704B5AD0}" dt="2025-04-04T00:25:05.120" v="8426" actId="14100"/>
+          <ac:spMkLst>
+            <pc:docMk/>
+            <pc:sldMk cId="2797081393" sldId="260"/>
+            <ac:spMk id="4" creationId="{10933594-8B03-6D9C-1F13-685488DA3659}"/>
+          </ac:spMkLst>
+        </pc:spChg>
+        <pc:spChg chg="mod">
+          <ac:chgData name="Neeti Mistry" userId="c817d47e-df5e-4223-a95f-e2bd3e2903ae" providerId="ADAL" clId="{92108224-B351-7C4F-B0EA-9C28704B5AD0}" dt="2025-04-04T00:24:09.240" v="8418" actId="1076"/>
+          <ac:spMkLst>
+            <pc:docMk/>
+            <pc:sldMk cId="2797081393" sldId="260"/>
+            <ac:spMk id="5" creationId="{89D0EC71-19FA-80FE-3682-941B07F7DC28}"/>
+          </ac:spMkLst>
+        </pc:spChg>
+        <pc:spChg chg="mod">
+          <ac:chgData name="Neeti Mistry" userId="c817d47e-df5e-4223-a95f-e2bd3e2903ae" providerId="ADAL" clId="{92108224-B351-7C4F-B0EA-9C28704B5AD0}" dt="2025-04-04T00:18:04.839" v="8112" actId="1076"/>
+          <ac:spMkLst>
+            <pc:docMk/>
+            <pc:sldMk cId="2797081393" sldId="260"/>
+            <ac:spMk id="6146" creationId="{EE288062-25C4-D6A9-4932-4F4EDFD26C1D}"/>
+          </ac:spMkLst>
+        </pc:spChg>
+        <pc:spChg chg="mod">
+          <ac:chgData name="Neeti Mistry" userId="c817d47e-df5e-4223-a95f-e2bd3e2903ae" providerId="ADAL" clId="{92108224-B351-7C4F-B0EA-9C28704B5AD0}" dt="2025-04-04T00:25:00.050" v="8425" actId="14100"/>
+          <ac:spMkLst>
+            <pc:docMk/>
+            <pc:sldMk cId="2797081393" sldId="260"/>
+            <ac:spMk id="6152" creationId="{5E25B3BA-BDF8-CE1A-CEF3-E6B455A63E85}"/>
+          </ac:spMkLst>
+        </pc:spChg>
+      </pc:sldChg>
     </pc:docChg>
   </pc:docChgLst>
   <pc:docChgLst>
@@ -397,21 +381,13 @@
           <pc:docMk/>
           <pc:sldMk cId="0" sldId="257"/>
         </pc:sldMkLst>
-        <pc:spChg chg="mod">
-          <ac:chgData name="Neeti Mistry" userId="S::nmistry5@stevens.edu::c817d47e-df5e-4223-a95f-e2bd3e2903ae" providerId="AD" clId="Web-{86E1864F-AF4D-589C-16F4-0D1B4A8B21E2}" dt="2025-03-17T02:56:24.617" v="30" actId="20577"/>
-          <ac:spMkLst>
-            <pc:docMk/>
-            <pc:sldMk cId="0" sldId="257"/>
-            <ac:spMk id="6153" creationId="{8852DBF1-7E4F-C093-933C-75EBE9C72E5D}"/>
-          </ac:spMkLst>
-        </pc:spChg>
       </pc:sldChg>
     </pc:docChg>
   </pc:docChgLst>
   <pc:docChgLst>
     <pc:chgData name="Sara Gaber" userId="S::sgaber@stevens.edu::4ab2973e-ebe8-4529-afa6-431cc1565c02" providerId="AD" clId="Web-{B36A8D64-7688-9B88-9D6A-506A5F4BFF0C}"/>
     <pc:docChg chg="addSld modSld">
-      <pc:chgData name="Sara Gaber" userId="S::sgaber@stevens.edu::4ab2973e-ebe8-4529-afa6-431cc1565c02" providerId="AD" clId="Web-{B36A8D64-7688-9B88-9D6A-506A5F4BFF0C}" dt="2025-04-01T19:54:22.734" v="102" actId="14100"/>
+      <pc:chgData name="Sara Gaber" userId="S::sgaber@stevens.edu::4ab2973e-ebe8-4529-afa6-431cc1565c02" providerId="AD" clId="Web-{B36A8D64-7688-9B88-9D6A-506A5F4BFF0C}" dt="2025-04-03T19:56:18.443" v="118" actId="20577"/>
       <pc:docMkLst>
         <pc:docMk/>
       </pc:docMkLst>
@@ -421,21 +397,21 @@
           <pc:docMk/>
           <pc:sldMk cId="0" sldId="257"/>
         </pc:sldMkLst>
-        <pc:picChg chg="mod">
-          <ac:chgData name="Sara Gaber" userId="S::sgaber@stevens.edu::4ab2973e-ebe8-4529-afa6-431cc1565c02" providerId="AD" clId="Web-{B36A8D64-7688-9B88-9D6A-506A5F4BFF0C}" dt="2025-04-01T19:15:06.335" v="0" actId="14100"/>
-          <ac:picMkLst>
-            <pc:docMk/>
-            <pc:sldMk cId="0" sldId="257"/>
-            <ac:picMk id="6" creationId="{20BBD0A2-5331-5369-688F-0E36AFB031C0}"/>
-          </ac:picMkLst>
-        </pc:picChg>
       </pc:sldChg>
       <pc:sldChg chg="addSp delSp modSp add replId">
-        <pc:chgData name="Sara Gaber" userId="S::sgaber@stevens.edu::4ab2973e-ebe8-4529-afa6-431cc1565c02" providerId="AD" clId="Web-{B36A8D64-7688-9B88-9D6A-506A5F4BFF0C}" dt="2025-04-01T19:54:22.734" v="102" actId="14100"/>
+        <pc:chgData name="Sara Gaber" userId="S::sgaber@stevens.edu::4ab2973e-ebe8-4529-afa6-431cc1565c02" providerId="AD" clId="Web-{B36A8D64-7688-9B88-9D6A-506A5F4BFF0C}" dt="2025-04-03T19:54:26.348" v="107" actId="20577"/>
         <pc:sldMkLst>
           <pc:docMk/>
           <pc:sldMk cId="3565918475" sldId="259"/>
         </pc:sldMkLst>
+        <pc:spChg chg="mod">
+          <ac:chgData name="Sara Gaber" userId="S::sgaber@stevens.edu::4ab2973e-ebe8-4529-afa6-431cc1565c02" providerId="AD" clId="Web-{B36A8D64-7688-9B88-9D6A-506A5F4BFF0C}" dt="2025-04-03T19:54:26.348" v="107" actId="20577"/>
+          <ac:spMkLst>
+            <pc:docMk/>
+            <pc:sldMk cId="3565918475" sldId="259"/>
+            <ac:spMk id="5" creationId="{8019A83F-D7C8-BCE8-DF32-2ABE40DC38CC}"/>
+          </ac:spMkLst>
+        </pc:spChg>
         <pc:spChg chg="mod">
           <ac:chgData name="Sara Gaber" userId="S::sgaber@stevens.edu::4ab2973e-ebe8-4529-afa6-431cc1565c02" providerId="AD" clId="Web-{B36A8D64-7688-9B88-9D6A-506A5F4BFF0C}" dt="2025-04-01T19:20:08.621" v="27" actId="14100"/>
           <ac:spMkLst>
@@ -476,6 +452,29 @@
             <ac:picMk id="10" creationId="{C15656A7-F2B1-6969-DED8-EBEC8B460F1A}"/>
           </ac:picMkLst>
         </pc:picChg>
+      </pc:sldChg>
+      <pc:sldChg chg="modSp add replId">
+        <pc:chgData name="Sara Gaber" userId="S::sgaber@stevens.edu::4ab2973e-ebe8-4529-afa6-431cc1565c02" providerId="AD" clId="Web-{B36A8D64-7688-9B88-9D6A-506A5F4BFF0C}" dt="2025-04-03T19:56:18.443" v="118" actId="20577"/>
+        <pc:sldMkLst>
+          <pc:docMk/>
+          <pc:sldMk cId="2797081393" sldId="260"/>
+        </pc:sldMkLst>
+        <pc:spChg chg="mod">
+          <ac:chgData name="Sara Gaber" userId="S::sgaber@stevens.edu::4ab2973e-ebe8-4529-afa6-431cc1565c02" providerId="AD" clId="Web-{B36A8D64-7688-9B88-9D6A-506A5F4BFF0C}" dt="2025-04-03T19:54:52.005" v="113" actId="20577"/>
+          <ac:spMkLst>
+            <pc:docMk/>
+            <pc:sldMk cId="2797081393" sldId="260"/>
+            <ac:spMk id="5" creationId="{89D0EC71-19FA-80FE-3682-941B07F7DC28}"/>
+          </ac:spMkLst>
+        </pc:spChg>
+        <pc:spChg chg="mod">
+          <ac:chgData name="Sara Gaber" userId="S::sgaber@stevens.edu::4ab2973e-ebe8-4529-afa6-431cc1565c02" providerId="AD" clId="Web-{B36A8D64-7688-9B88-9D6A-506A5F4BFF0C}" dt="2025-04-03T19:56:18.443" v="118" actId="20577"/>
+          <ac:spMkLst>
+            <pc:docMk/>
+            <pc:sldMk cId="2797081393" sldId="260"/>
+            <ac:spMk id="6146" creationId="{EE288062-25C4-D6A9-4932-4F4EDFD26C1D}"/>
+          </ac:spMkLst>
+        </pc:spChg>
       </pc:sldChg>
     </pc:docChg>
   </pc:docChgLst>
@@ -1486,7 +1485,7 @@
         <p:cNvPr id="1" name="">
           <a:extLst>
             <a:ext uri="{FF2B5EF4-FFF2-40B4-BE49-F238E27FC236}">
-              <a16:creationId xmlns:a16="http://schemas.microsoft.com/office/drawing/2014/main" id="{8C03CFA8-834A-BC8A-C9B0-654942E1E7D7}"/>
+              <a16:creationId xmlns:a16="http://schemas.microsoft.com/office/drawing/2014/main" id="{0B6BDE40-D299-F238-7230-E05447CD3D48}"/>
             </a:ext>
           </a:extLst>
         </p:cNvPr>
@@ -1506,7 +1505,7 @@
           <p:cNvPr id="7169" name="Shape 192">
             <a:extLst>
               <a:ext uri="{FF2B5EF4-FFF2-40B4-BE49-F238E27FC236}">
-                <a16:creationId xmlns:a16="http://schemas.microsoft.com/office/drawing/2014/main" id="{B9784978-F099-8C79-FA92-036B3770F975}"/>
+                <a16:creationId xmlns:a16="http://schemas.microsoft.com/office/drawing/2014/main" id="{3ACEBF48-E532-EEEE-C89C-DB46826877D2}"/>
               </a:ext>
             </a:extLst>
           </p:cNvPr>
@@ -1564,7 +1563,7 @@
           <p:cNvPr id="7170" name="Shape 193">
             <a:extLst>
               <a:ext uri="{FF2B5EF4-FFF2-40B4-BE49-F238E27FC236}">
-                <a16:creationId xmlns:a16="http://schemas.microsoft.com/office/drawing/2014/main" id="{1E065476-E1AB-EEBF-72CB-8150B27631A9}"/>
+                <a16:creationId xmlns:a16="http://schemas.microsoft.com/office/drawing/2014/main" id="{4472B81A-EB70-DC25-1D97-8FCE7F787DC7}"/>
               </a:ext>
             </a:extLst>
           </p:cNvPr>
@@ -1586,7 +1585,7 @@
     </p:spTree>
     <p:extLst>
       <p:ext uri="{BB962C8B-B14F-4D97-AF65-F5344CB8AC3E}">
-        <p14:creationId xmlns:p14="http://schemas.microsoft.com/office/powerpoint/2010/main" val="1838894066"/>
+        <p14:creationId xmlns:p14="http://schemas.microsoft.com/office/powerpoint/2010/main" val="4153131973"/>
       </p:ext>
     </p:extLst>
   </p:cSld>
@@ -2658,7 +2657,7 @@
         <p:cNvPr id="1" name="">
           <a:extLst>
             <a:ext uri="{FF2B5EF4-FFF2-40B4-BE49-F238E27FC236}">
-              <a16:creationId xmlns:a16="http://schemas.microsoft.com/office/drawing/2014/main" id="{8FCE28FB-9AAE-56CB-7170-89E9A7A8B9D5}"/>
+              <a16:creationId xmlns:a16="http://schemas.microsoft.com/office/drawing/2014/main" id="{E0B734F8-0D2F-5DCA-FD58-B6CC7AC9F2E3}"/>
             </a:ext>
           </a:extLst>
         </p:cNvPr>
@@ -2678,7 +2677,7 @@
           <p:cNvPr id="6145" name="Shape 98">
             <a:extLst>
               <a:ext uri="{FF2B5EF4-FFF2-40B4-BE49-F238E27FC236}">
-                <a16:creationId xmlns:a16="http://schemas.microsoft.com/office/drawing/2014/main" id="{9D38888A-2E2D-CDAF-A486-CBF38EEA3783}"/>
+                <a16:creationId xmlns:a16="http://schemas.microsoft.com/office/drawing/2014/main" id="{B6C9D43B-97BA-A542-CC86-7E1D0C3A17A5}"/>
               </a:ext>
             </a:extLst>
           </p:cNvPr>
@@ -2850,7 +2849,7 @@
           <p:cNvPr id="6146" name="Shape 113">
             <a:extLst>
               <a:ext uri="{FF2B5EF4-FFF2-40B4-BE49-F238E27FC236}">
-                <a16:creationId xmlns:a16="http://schemas.microsoft.com/office/drawing/2014/main" id="{582544BE-8D54-9D54-AE01-9DB832E45C99}"/>
+                <a16:creationId xmlns:a16="http://schemas.microsoft.com/office/drawing/2014/main" id="{EE288062-25C4-D6A9-4932-4F4EDFD26C1D}"/>
               </a:ext>
             </a:extLst>
           </p:cNvPr>
@@ -2861,7 +2860,7 @@
         </p:nvSpPr>
         <p:spPr bwMode="auto">
           <a:xfrm>
-            <a:off x="1828799" y="18734567"/>
+            <a:off x="1853503" y="17373600"/>
             <a:ext cx="13460819" cy="9377917"/>
           </a:xfrm>
           <a:prstGeom prst="rect">
@@ -2892,7 +2891,7 @@
           </a:extLst>
         </p:spPr>
         <p:txBody>
-          <a:bodyPr lIns="91425" tIns="45700" rIns="91425" bIns="45700"/>
+          <a:bodyPr lIns="91425" tIns="45700" rIns="91425" bIns="45700" anchor="t"/>
           <a:lstStyle>
             <a:lvl1pPr>
               <a:defRPr sz="1400">
@@ -3020,11 +3019,13 @@
                 <a:solidFill>
                   <a:srgbClr val="CD0038"/>
                 </a:solidFill>
-                <a:latin typeface="Saira Medium" pitchFamily="2" charset="77"/>
+                <a:latin typeface="Saira Medium"/>
+                <a:ea typeface="ＭＳ Ｐゴシック"/>
                 <a:sym typeface="Arial Black" panose="020B0604020202020204" pitchFamily="34" charset="0"/>
               </a:rPr>
               <a:t>SOLUTION</a:t>
             </a:r>
+            <a:endParaRPr lang="en-US" sz="6000" dirty="0"/>
           </a:p>
           <a:p>
             <a:pPr algn="just" eaLnBrk="1" hangingPunct="1">
@@ -3033,10 +3034,11 @@
               </a:lnSpc>
             </a:pPr>
             <a:r>
-              <a:rPr lang="en-US" altLang="en-US" sz="3200" dirty="0">
-                <a:latin typeface="Saira Medium" pitchFamily="2" charset="77"/>
+              <a:rPr lang="en-US" altLang="en-US" sz="3500" dirty="0">
+                <a:latin typeface="Saira Medium"/>
+                <a:ea typeface="ＭＳ Ｐゴシック"/>
               </a:rPr>
-              <a:t>C-ALL revolutionizes mobility for the visually impaired by integrating cutting-edge technology into a wearable hardware device and software application. This smart solution integrates LiDAR technology, haptic feedback, and a mobile application to provide real-time obstacle detection and navigation assistance.</a:t>
+              <a:t>C-ALL revolutionizes mobility for the visually impaired by integrating cutting-edge technology into a wearable hardware device and software application.</a:t>
             </a:r>
           </a:p>
           <a:p>
@@ -3048,19 +3050,22 @@
               <a:buChar char="•"/>
             </a:pPr>
             <a:r>
-              <a:rPr lang="en-US" altLang="en-US" sz="3200" b="1" dirty="0">
-                <a:latin typeface="Saira Medium" pitchFamily="2" charset="77"/>
+              <a:rPr lang="en-US" altLang="en-US" sz="3500" b="1" dirty="0">
+                <a:latin typeface="Saira Medium"/>
+                <a:ea typeface="ＭＳ Ｐゴシック"/>
               </a:rPr>
               <a:t>LiDAR sensors </a:t>
             </a:r>
             <a:r>
-              <a:rPr lang="en-US" altLang="en-US" sz="3200" dirty="0">
-                <a:latin typeface="Saira Medium" pitchFamily="2" charset="77"/>
+              <a:rPr lang="en-US" altLang="en-US" sz="3500" dirty="0">
+                <a:latin typeface="Saira Medium"/>
+                <a:ea typeface="ＭＳ Ｐゴシック"/>
               </a:rPr>
               <a:t>detect obstacles at varying distances and heights for enhanced environmental awareness.</a:t>
             </a:r>
-            <a:endParaRPr lang="en-US" altLang="en-US" sz="3200" b="1" dirty="0">
-              <a:latin typeface="Saira Medium" pitchFamily="2" charset="77"/>
+            <a:endParaRPr lang="en-US" altLang="en-US" sz="3500" b="1" dirty="0">
+              <a:latin typeface="Saira Medium"/>
+              <a:ea typeface="ＭＳ Ｐゴシック"/>
             </a:endParaRPr>
           </a:p>
           <a:p>
@@ -3072,14 +3077,16 @@
               <a:buChar char="•"/>
             </a:pPr>
             <a:r>
-              <a:rPr lang="en-US" altLang="en-US" sz="3200" b="1" dirty="0">
-                <a:latin typeface="Saira Medium" pitchFamily="2" charset="77"/>
+              <a:rPr lang="en-US" altLang="en-US" sz="3500" b="1" dirty="0">
+                <a:latin typeface="Saira Medium"/>
+                <a:ea typeface="ＭＳ Ｐゴシック"/>
               </a:rPr>
               <a:t>Haptic feedback </a:t>
             </a:r>
             <a:r>
-              <a:rPr lang="en-US" altLang="en-US" sz="3200" dirty="0">
-                <a:latin typeface="Saira Medium" pitchFamily="2" charset="77"/>
+              <a:rPr lang="en-US" altLang="en-US" sz="3500" dirty="0">
+                <a:latin typeface="Saira Medium"/>
+                <a:ea typeface="ＭＳ Ｐゴシック"/>
               </a:rPr>
               <a:t>provides intuitive navigation through vibrations and movements on the hand to guide the user around obstacles.</a:t>
             </a:r>
@@ -3093,20 +3100,23 @@
               <a:buChar char="•"/>
             </a:pPr>
             <a:r>
-              <a:rPr lang="en-US" altLang="en-US" sz="3200" dirty="0">
-                <a:latin typeface="Saira Medium" pitchFamily="2" charset="77"/>
+              <a:rPr lang="en-US" altLang="en-US" sz="3500" dirty="0">
+                <a:latin typeface="Saira Medium"/>
+                <a:ea typeface="ＭＳ Ｐゴシック"/>
               </a:rPr>
               <a:t>The </a:t>
             </a:r>
             <a:r>
-              <a:rPr lang="en-US" altLang="en-US" sz="3200" b="1" dirty="0">
-                <a:latin typeface="Saira Medium" pitchFamily="2" charset="77"/>
+              <a:rPr lang="en-US" altLang="en-US" sz="3500" b="1" dirty="0">
+                <a:latin typeface="Saira Medium"/>
+                <a:ea typeface="ＭＳ Ｐゴシック"/>
               </a:rPr>
               <a:t>mobile application </a:t>
             </a:r>
             <a:r>
-              <a:rPr lang="en-US" altLang="en-US" sz="3200" dirty="0">
-                <a:latin typeface="Saira Medium" pitchFamily="2" charset="77"/>
+              <a:rPr lang="en-US" altLang="en-US" sz="3500" dirty="0">
+                <a:latin typeface="Saira Medium"/>
+                <a:ea typeface="ＭＳ Ｐゴシック"/>
               </a:rPr>
               <a:t>allows users input a destination and customize feedback settings for a more personalized experience.</a:t>
             </a:r>
@@ -3118,12 +3128,16 @@
               </a:lnSpc>
             </a:pPr>
             <a:r>
-              <a:rPr lang="en-US" altLang="en-US" sz="3200" dirty="0">
-                <a:latin typeface="Saira Medium" pitchFamily="2" charset="77"/>
+              <a:rPr lang="en-US" altLang="en-US" sz="3500" dirty="0">
+                <a:latin typeface="Saira Medium"/>
+                <a:ea typeface="ＭＳ Ｐゴシック"/>
               </a:rPr>
               <a:t>Offering a versatile alternative to canes and guide dogs, C-ALL expands mobility aid options for the visually impaired community.</a:t>
             </a:r>
-            <a:endParaRPr lang="en-US" sz="4000" dirty="0"/>
+            <a:endParaRPr lang="en-US" sz="3500" dirty="0">
+              <a:latin typeface="Saira Medium"/>
+              <a:ea typeface="ＭＳ Ｐゴシック"/>
+            </a:endParaRPr>
           </a:p>
         </p:txBody>
       </p:sp>
@@ -3132,7 +3146,7 @@
           <p:cNvPr id="5" name="Shape 120">
             <a:extLst>
               <a:ext uri="{FF2B5EF4-FFF2-40B4-BE49-F238E27FC236}">
-                <a16:creationId xmlns:a16="http://schemas.microsoft.com/office/drawing/2014/main" id="{8019A83F-D7C8-BCE8-DF32-2ABE40DC38CC}"/>
+                <a16:creationId xmlns:a16="http://schemas.microsoft.com/office/drawing/2014/main" id="{89D0EC71-19FA-80FE-3682-941B07F7DC28}"/>
               </a:ext>
             </a:extLst>
           </p:cNvPr>
@@ -3141,8 +3155,8 @@
         </p:nvSpPr>
         <p:spPr>
           <a:xfrm>
-            <a:off x="1828799" y="9418320"/>
-            <a:ext cx="13460819" cy="9146127"/>
+            <a:off x="1853503" y="10356045"/>
+            <a:ext cx="13460819" cy="6359378"/>
           </a:xfrm>
           <a:prstGeom prst="rect">
             <a:avLst/>
@@ -3167,7 +3181,7 @@
           </a:fontRef>
         </p:style>
         <p:txBody>
-          <a:bodyPr lIns="91425" tIns="45700" rIns="91425" bIns="45700"/>
+          <a:bodyPr lIns="91425" tIns="45700" rIns="91425" bIns="45700" anchor="t"/>
           <a:lstStyle>
             <a:lvl1pPr eaLnBrk="0" hangingPunct="0">
               <a:defRPr sz="1400">
@@ -3300,7 +3314,8 @@
                 <a:solidFill>
                   <a:srgbClr val="CD0038"/>
                 </a:solidFill>
-                <a:latin typeface="Saira Medium" pitchFamily="2" charset="77"/>
+                <a:latin typeface="Saira Medium"/>
+                <a:ea typeface="ＭＳ Ｐゴシック"/>
                 <a:sym typeface="Arial Black" panose="020B0604020202020204" pitchFamily="34" charset="0"/>
               </a:rPr>
               <a:t>PROBLEM</a:t>
@@ -3318,10 +3333,11 @@
               <a:defRPr/>
             </a:pPr>
             <a:r>
-              <a:rPr lang="en-US" altLang="en-US" sz="3200" dirty="0">
-                <a:latin typeface="Saira Medium" pitchFamily="2" charset="77"/>
+              <a:rPr lang="en-US" altLang="en-US" sz="3500" dirty="0">
+                <a:latin typeface="Saira Medium"/>
+                <a:ea typeface="ＭＳ Ｐゴシック"/>
               </a:rPr>
-              <a:t>Visually impaired individual’s face significant challenges navigating public spaces safely. Traditional mobility aids, such as canes and guide dogs, have many limitations.</a:t>
+              <a:t>Visually impaired individual’s face significant challenges navigating public spaces safely.</a:t>
             </a:r>
           </a:p>
           <a:p>
@@ -3338,19 +3354,15 @@
               <a:defRPr/>
             </a:pPr>
             <a:r>
-              <a:rPr lang="en-US" altLang="en-US" sz="3200" b="1" dirty="0">
-                <a:latin typeface="Saira Medium" pitchFamily="2" charset="77"/>
+              <a:rPr lang="en-US" altLang="en-US" sz="3500" b="1" dirty="0">
+                <a:latin typeface="Saira Medium"/>
+                <a:ea typeface="ＭＳ Ｐゴシック"/>
               </a:rPr>
-              <a:t>Limited obstacle detection: </a:t>
+              <a:t>Limited obstacle detection</a:t>
             </a:r>
-            <a:r>
-              <a:rPr lang="en-US" altLang="en-US" sz="3200" dirty="0">
-                <a:latin typeface="Saira Medium" pitchFamily="2" charset="77"/>
-              </a:rPr>
-              <a:t>Canes often miss obstacles at varying heights or distances, while guide dogs require training and availability.</a:t>
-            </a:r>
-            <a:endParaRPr lang="en-US" altLang="en-US" sz="3200" b="1" dirty="0">
-              <a:latin typeface="Saira Medium" pitchFamily="2" charset="77"/>
+            <a:endParaRPr lang="en-US" altLang="en-US" sz="3500" dirty="0">
+              <a:latin typeface="Saira Medium"/>
+              <a:ea typeface="ＭＳ Ｐゴシック"/>
             </a:endParaRPr>
           </a:p>
           <a:p>
@@ -3367,19 +3379,15 @@
               <a:defRPr/>
             </a:pPr>
             <a:r>
-              <a:rPr lang="en-US" altLang="en-US" sz="3200" b="1" dirty="0">
-                <a:latin typeface="Saira Medium" pitchFamily="2" charset="77"/>
+              <a:rPr lang="en-US" altLang="en-US" sz="3500" b="1" dirty="0">
+                <a:latin typeface="Saira Medium"/>
+                <a:ea typeface="ＭＳ Ｐゴシック"/>
               </a:rPr>
-              <a:t>High costs and accessibility: </a:t>
+              <a:t>High costs and accessibility</a:t>
             </a:r>
-            <a:r>
-              <a:rPr lang="en-US" altLang="en-US" sz="3200" dirty="0">
-                <a:latin typeface="Saira Medium" pitchFamily="2" charset="77"/>
-              </a:rPr>
-              <a:t>Guide dogs are expensive to acquire and maintain, while advanced technology solutions are often too costly or impractical for widespread use.</a:t>
-            </a:r>
-            <a:endParaRPr lang="en-US" altLang="en-US" sz="3200" b="1" dirty="0">
-              <a:latin typeface="Saira Medium" pitchFamily="2" charset="77"/>
+            <a:endParaRPr lang="en-US" altLang="en-US" sz="3500" dirty="0">
+              <a:latin typeface="Saira Medium"/>
+              <a:ea typeface="ＭＳ Ｐゴシック"/>
             </a:endParaRPr>
           </a:p>
           <a:p>
@@ -3396,17 +3404,16 @@
               <a:defRPr/>
             </a:pPr>
             <a:r>
-              <a:rPr lang="en-US" altLang="en-US" sz="3200" b="1" dirty="0">
-                <a:latin typeface="Saira Medium" pitchFamily="2" charset="77"/>
+              <a:rPr lang="en-US" altLang="en-US" sz="3500" b="1" dirty="0">
+                <a:latin typeface="Saira Medium"/>
+                <a:ea typeface="ＭＳ Ｐゴシック"/>
               </a:rPr>
-              <a:t>Lack of situational awareness: </a:t>
+              <a:t>Lack of situational awareness</a:t>
             </a:r>
-            <a:r>
-              <a:rPr lang="en-US" altLang="en-US" sz="3200" dirty="0">
-                <a:latin typeface="Saira Medium" pitchFamily="2" charset="77"/>
-              </a:rPr>
-              <a:t>Current mobility aids don’t provide users with enough detailed or real-time feedback, heavily limiting their independence.</a:t>
-            </a:r>
+            <a:endParaRPr lang="en-US" altLang="en-US" sz="3500" dirty="0">
+              <a:latin typeface="Saira Medium"/>
+              <a:ea typeface="ＭＳ Ｐゴシック"/>
+            </a:endParaRPr>
           </a:p>
           <a:p>
             <a:pPr algn="just" eaLnBrk="1" hangingPunct="1">
@@ -3420,8 +3427,9 @@
               <a:defRPr/>
             </a:pPr>
             <a:r>
-              <a:rPr lang="en-US" altLang="en-US" sz="3200" dirty="0">
-                <a:latin typeface="Saira Medium" pitchFamily="2" charset="77"/>
+              <a:rPr lang="en-US" altLang="en-US" sz="3500" dirty="0">
+                <a:latin typeface="Saira Medium"/>
+                <a:ea typeface="ＭＳ Ｐゴシック"/>
               </a:rPr>
               <a:t>There is a need for a reliable and intuitive solution that improves mobility while keeping safety and independence its main priority.</a:t>
             </a:r>
@@ -3433,7 +3441,7 @@
           <p:cNvPr id="6152" name="Rectangle 13">
             <a:extLst>
               <a:ext uri="{FF2B5EF4-FFF2-40B4-BE49-F238E27FC236}">
-                <a16:creationId xmlns:a16="http://schemas.microsoft.com/office/drawing/2014/main" id="{62B8623F-873C-92C6-156A-C60DD653E682}"/>
+                <a16:creationId xmlns:a16="http://schemas.microsoft.com/office/drawing/2014/main" id="{5E25B3BA-BDF8-CE1A-CEF3-E6B455A63E85}"/>
               </a:ext>
             </a:extLst>
           </p:cNvPr>
@@ -3444,8 +3452,8 @@
         </p:nvSpPr>
         <p:spPr bwMode="auto">
           <a:xfrm>
-            <a:off x="29856222" y="9413781"/>
-            <a:ext cx="12181475" cy="9171742"/>
+            <a:off x="29856221" y="10354406"/>
+            <a:ext cx="12181476" cy="7755969"/>
           </a:xfrm>
           <a:prstGeom prst="rect">
             <a:avLst/>
@@ -3646,37 +3654,16 @@
               <a:buChar char="•"/>
             </a:pPr>
             <a:r>
-              <a:rPr lang="en-US" altLang="en-US" sz="3200" b="1" dirty="0">
+              <a:rPr lang="en-US" altLang="en-US" sz="3500" b="1" dirty="0">
                 <a:latin typeface="Saira Medium" pitchFamily="2" charset="77"/>
               </a:rPr>
               <a:t>LiDAR Obstacle Detection: </a:t>
             </a:r>
             <a:r>
-              <a:rPr lang="en-US" altLang="en-US" sz="3200" dirty="0">
+              <a:rPr lang="en-US" altLang="en-US" sz="3500" dirty="0">
                 <a:latin typeface="Saira Medium" pitchFamily="2" charset="77"/>
               </a:rPr>
-              <a:t>High-precision LiDAR sensors map the environment in real-time, detecting obstacles at various distances.</a:t>
-            </a:r>
-            <a:endParaRPr lang="en-US" altLang="en-US" sz="3200" b="1" dirty="0">
-              <a:latin typeface="Saira Medium" pitchFamily="2" charset="77"/>
-            </a:endParaRPr>
-          </a:p>
-          <a:p>
-            <a:pPr marL="457200" indent="-457200" algn="just" eaLnBrk="1" hangingPunct="1">
-              <a:buFont typeface="Arial" panose="020B0604020202020204" pitchFamily="34" charset="0"/>
-              <a:buChar char="•"/>
-            </a:pPr>
-            <a:r>
-              <a:rPr lang="en-US" altLang="en-US" sz="3200" b="1" dirty="0">
-                <a:latin typeface="Saira Medium" pitchFamily="2" charset="77"/>
-              </a:rPr>
-              <a:t>Wearable Smart Glove: </a:t>
-            </a:r>
-            <a:r>
-              <a:rPr lang="en-US" altLang="en-US" sz="3200" dirty="0">
-                <a:latin typeface="Saira Medium" pitchFamily="2" charset="77"/>
-              </a:rPr>
-              <a:t>A lightweight and durable glove with integrated hardware that seamlessly interacts with software for real-time obstacle detection.</a:t>
+              <a:t>Real-time mapping detects obstacles at various distances.</a:t>
             </a:r>
           </a:p>
           <a:p>
@@ -3685,37 +3672,16 @@
               <a:buChar char="•"/>
             </a:pPr>
             <a:r>
-              <a:rPr lang="en-US" altLang="en-US" sz="3200" b="1" dirty="0">
+              <a:rPr lang="en-US" altLang="en-US" sz="3500" b="1" dirty="0">
                 <a:latin typeface="Saira Medium" pitchFamily="2" charset="77"/>
               </a:rPr>
-              <a:t>Haptic Feedback: </a:t>
+              <a:t>Wearable Smart Glove: </a:t>
             </a:r>
             <a:r>
-              <a:rPr lang="en-US" altLang="en-US" sz="3200" dirty="0">
+              <a:rPr lang="en-US" altLang="en-US" sz="3500" dirty="0">
                 <a:latin typeface="Saira Medium" pitchFamily="2" charset="77"/>
               </a:rPr>
-              <a:t>Tactile vibrations and motion cues on the user’s hand provide intuitive navigation without overwhelming sensory input.</a:t>
-            </a:r>
-            <a:endParaRPr lang="en-US" altLang="en-US" sz="3200" b="1" dirty="0">
-              <a:latin typeface="Saira Medium" pitchFamily="2" charset="77"/>
-            </a:endParaRPr>
-          </a:p>
-          <a:p>
-            <a:pPr marL="457200" indent="-457200" algn="just" eaLnBrk="1" hangingPunct="1">
-              <a:buFont typeface="Arial" panose="020B0604020202020204" pitchFamily="34" charset="0"/>
-              <a:buChar char="•"/>
-            </a:pPr>
-            <a:r>
-              <a:rPr lang="en-US" altLang="en-US" sz="3200" b="1" dirty="0">
-                <a:latin typeface="Saira Medium" pitchFamily="2" charset="77"/>
-              </a:rPr>
-              <a:t>Mobile App Integration: </a:t>
-            </a:r>
-            <a:r>
-              <a:rPr lang="en-US" altLang="en-US" sz="3200" dirty="0">
-                <a:latin typeface="Saira Medium" pitchFamily="2" charset="77"/>
-              </a:rPr>
-              <a:t>Developed with Swift, users can input a destination and customize settings for a personalized experience.</a:t>
+              <a:t>Lightweight glove with integrated hardware for seamless obstacle detection.</a:t>
             </a:r>
           </a:p>
           <a:p>
@@ -3724,16 +3690,16 @@
               <a:buChar char="•"/>
             </a:pPr>
             <a:r>
-              <a:rPr lang="en-US" altLang="en-US" sz="3200" b="1" dirty="0">
+              <a:rPr lang="en-US" altLang="en-US" sz="3500" b="1" dirty="0">
                 <a:latin typeface="Saira Medium" pitchFamily="2" charset="77"/>
               </a:rPr>
-              <a:t>Advanced Hardware and Software: </a:t>
+              <a:t>Haptic Feedback: </a:t>
             </a:r>
             <a:r>
-              <a:rPr lang="en-US" altLang="en-US" sz="3200" dirty="0">
+              <a:rPr lang="en-US" altLang="en-US" sz="3500" dirty="0">
                 <a:latin typeface="Saira Medium" pitchFamily="2" charset="77"/>
               </a:rPr>
-              <a:t>Powered by Raspberry Pi, Bluetooth connectivity, microcontrollers, and Swift-based software for seamless communication.</a:t>
+              <a:t>Tactile vibrations provide intuitive navigation without sensory overload.</a:t>
             </a:r>
           </a:p>
           <a:p>
@@ -3742,16 +3708,52 @@
               <a:buChar char="•"/>
             </a:pPr>
             <a:r>
-              <a:rPr lang="en-US" altLang="en-US" sz="3200" b="1" dirty="0">
+              <a:rPr lang="en-US" altLang="en-US" sz="3500" b="1" dirty="0">
+                <a:latin typeface="Saira Medium" pitchFamily="2" charset="77"/>
+              </a:rPr>
+              <a:t>Mobile App Integration: </a:t>
+            </a:r>
+            <a:r>
+              <a:rPr lang="en-US" altLang="en-US" sz="3500" dirty="0">
+                <a:latin typeface="Saira Medium" pitchFamily="2" charset="77"/>
+              </a:rPr>
+              <a:t>Developed with Swift, users can input a destination and customize settings.</a:t>
+            </a:r>
+          </a:p>
+          <a:p>
+            <a:pPr marL="457200" indent="-457200" algn="just" eaLnBrk="1" hangingPunct="1">
+              <a:buFont typeface="Arial" panose="020B0604020202020204" pitchFamily="34" charset="0"/>
+              <a:buChar char="•"/>
+            </a:pPr>
+            <a:r>
+              <a:rPr lang="en-US" altLang="en-US" sz="3500" b="1" dirty="0">
+                <a:latin typeface="Saira Medium" pitchFamily="2" charset="77"/>
+              </a:rPr>
+              <a:t>Advanced Hardware and Software: </a:t>
+            </a:r>
+            <a:r>
+              <a:rPr lang="en-US" altLang="en-US" sz="3500" dirty="0">
+                <a:latin typeface="Saira Medium" pitchFamily="2" charset="77"/>
+              </a:rPr>
+              <a:t>Powered by Raspberry Pi, Bluetooth, microcontrollers, and Swift-based software.</a:t>
+            </a:r>
+          </a:p>
+          <a:p>
+            <a:pPr marL="457200" indent="-457200" algn="just" eaLnBrk="1" hangingPunct="1">
+              <a:buFont typeface="Arial" panose="020B0604020202020204" pitchFamily="34" charset="0"/>
+              <a:buChar char="•"/>
+            </a:pPr>
+            <a:r>
+              <a:rPr lang="en-US" altLang="en-US" sz="3500" b="1" dirty="0">
                 <a:latin typeface="Saira Medium" pitchFamily="2" charset="77"/>
               </a:rPr>
               <a:t>Apple Compatibility: </a:t>
             </a:r>
             <a:r>
-              <a:rPr lang="en-US" altLang="en-US" sz="3200" dirty="0">
+              <a:rPr lang="en-US" altLang="en-US" sz="3500" dirty="0">
                 <a:latin typeface="Saira Medium" pitchFamily="2" charset="77"/>
               </a:rPr>
-              <a:t>Compatible with iPhone 12 Pro and newer models, leveraging Apple's LiDAR technology and accessibility features.</a:t>
+              <a:t>Compatible with iPhone 12 Pro+ models, leveraging Apple's LiDAR technology and accessibility features.</a:t>
             </a:r>
           </a:p>
         </p:txBody>
@@ -3761,7 +3763,7 @@
           <p:cNvPr id="6153" name="Shape 89">
             <a:extLst>
               <a:ext uri="{FF2B5EF4-FFF2-40B4-BE49-F238E27FC236}">
-                <a16:creationId xmlns:a16="http://schemas.microsoft.com/office/drawing/2014/main" id="{A69EAF9C-5901-4E91-3EB2-D1E785949572}"/>
+                <a16:creationId xmlns:a16="http://schemas.microsoft.com/office/drawing/2014/main" id="{E84E5AEB-19C2-AEA8-A242-7A35268EAC74}"/>
               </a:ext>
             </a:extLst>
           </p:cNvPr>
@@ -3973,7 +3975,7 @@
           <p:cNvPr id="6154" name="Shape 90">
             <a:extLst>
               <a:ext uri="{FF2B5EF4-FFF2-40B4-BE49-F238E27FC236}">
-                <a16:creationId xmlns:a16="http://schemas.microsoft.com/office/drawing/2014/main" id="{3C23D1B4-E21E-8CE6-6299-43FDEACCDB56}"/>
+                <a16:creationId xmlns:a16="http://schemas.microsoft.com/office/drawing/2014/main" id="{9A9B4E94-F2C7-9746-8291-9E8B44BA7965}"/>
               </a:ext>
             </a:extLst>
           </p:cNvPr>
@@ -4131,7 +4133,7 @@
               <a:defRPr/>
             </a:pPr>
             <a:r>
-              <a:rPr lang="en-US" sz="5000" b="1" spc="100" dirty="0">
+              <a:rPr lang="en-US" sz="5000" b="1" spc="100">
                 <a:solidFill>
                   <a:schemeClr val="dk1"/>
                 </a:solidFill>
@@ -4143,7 +4145,7 @@
               <a:t>Students: </a:t>
             </a:r>
             <a:r>
-              <a:rPr lang="en-US" sz="5000" spc="100" dirty="0">
+              <a:rPr lang="en-US" sz="5000" spc="100">
                 <a:solidFill>
                   <a:schemeClr val="dk1"/>
                 </a:solidFill>
@@ -4172,7 +4174,7 @@
               <a:defRPr/>
             </a:pPr>
             <a:r>
-              <a:rPr lang="en-US" altLang="en-US" sz="5000" b="1" dirty="0">
+              <a:rPr lang="en-US" altLang="en-US" sz="5000" b="1">
                 <a:latin typeface="Saira Regular"/>
                 <a:ea typeface="ＭＳ Ｐゴシック" pitchFamily="34" charset="-128"/>
                 <a:cs typeface="Saira Regular"/>
@@ -4180,7 +4182,7 @@
               <a:t>Advisor: </a:t>
             </a:r>
             <a:r>
-              <a:rPr lang="en-US" altLang="en-US" sz="5000" dirty="0">
+              <a:rPr lang="en-US" altLang="en-US" sz="5000">
                 <a:latin typeface="Saira Regular"/>
                 <a:ea typeface="ＭＳ Ｐゴシック" pitchFamily="34" charset="-128"/>
                 <a:cs typeface="Saira Regular"/>
@@ -4189,14 +4191,14 @@
               <a:t>Professor David Darian Muresan, </a:t>
             </a:r>
             <a:r>
-              <a:rPr lang="en-US" altLang="en-US" sz="5000" b="1" dirty="0">
+              <a:rPr lang="en-US" altLang="en-US" sz="5000" b="1">
                 <a:latin typeface="Saira Regular"/>
                 <a:ea typeface="ＭＳ Ｐゴシック" pitchFamily="34" charset="-128"/>
                 <a:cs typeface="Saira Regular"/>
               </a:rPr>
               <a:t>Department of Software Engineering</a:t>
             </a:r>
-            <a:endParaRPr lang="en-US" sz="5000" dirty="0">
+            <a:endParaRPr lang="en-US" sz="5000">
               <a:latin typeface="Saira Regular"/>
               <a:ea typeface="Nunito"/>
               <a:cs typeface="Saira Regular"/>
@@ -4207,7 +4209,7 @@
             <a:pPr>
               <a:defRPr/>
             </a:pPr>
-            <a:endParaRPr lang="en-US" sz="5000" dirty="0">
+            <a:endParaRPr lang="en-US" sz="5000">
               <a:latin typeface="Avenir 95 Black" charset="0"/>
               <a:cs typeface="Avenir 95 Black" charset="0"/>
               <a:sym typeface="Calibri" charset="0"/>
@@ -4220,7 +4222,7 @@
           <p:cNvPr id="3" name="Shape 113">
             <a:extLst>
               <a:ext uri="{FF2B5EF4-FFF2-40B4-BE49-F238E27FC236}">
-                <a16:creationId xmlns:a16="http://schemas.microsoft.com/office/drawing/2014/main" id="{7D8A3728-09C8-989A-7D55-A9B4F29D5D37}"/>
+                <a16:creationId xmlns:a16="http://schemas.microsoft.com/office/drawing/2014/main" id="{627F5A33-ACE3-B15C-E5EC-B840B038D9AB}"/>
               </a:ext>
             </a:extLst>
           </p:cNvPr>
@@ -4231,8 +4233,8 @@
         </p:nvSpPr>
         <p:spPr bwMode="auto">
           <a:xfrm>
-            <a:off x="16137941" y="9418320"/>
-            <a:ext cx="12869957" cy="9146127"/>
+            <a:off x="16150293" y="10354406"/>
+            <a:ext cx="12869957" cy="8455675"/>
           </a:xfrm>
           <a:prstGeom prst="rect">
             <a:avLst/>
@@ -4397,19 +4399,6 @@
             </a:r>
           </a:p>
           <a:p>
-            <a:pPr algn="just" eaLnBrk="1" hangingPunct="1">
-              <a:lnSpc>
-                <a:spcPct val="130000"/>
-              </a:lnSpc>
-            </a:pPr>
-            <a:r>
-              <a:rPr lang="en-US" altLang="en-US" sz="3200" dirty="0">
-                <a:latin typeface="Saira Medium" pitchFamily="2" charset="77"/>
-              </a:rPr>
-              <a:t>C-ALL empowers visually impaired individuals with greater independence, safety, and confidence in navigation.</a:t>
-            </a:r>
-          </a:p>
-          <a:p>
             <a:pPr marL="457200" indent="-457200" algn="just" eaLnBrk="1" hangingPunct="1">
               <a:lnSpc>
                 <a:spcPct val="130000"/>
@@ -4418,18 +4407,18 @@
               <a:buChar char="•"/>
             </a:pPr>
             <a:r>
-              <a:rPr lang="en-US" altLang="en-US" sz="3200" b="1" dirty="0">
+              <a:rPr lang="en-US" altLang="en-US" sz="3500" b="1" dirty="0">
                 <a:latin typeface="Saira Medium" pitchFamily="2" charset="77"/>
               </a:rPr>
               <a:t>Enhanced Mobility: </a:t>
             </a:r>
             <a:r>
-              <a:rPr lang="en-US" altLang="en-US" sz="3200" dirty="0">
+              <a:rPr lang="en-US" altLang="en-US" sz="3500" dirty="0">
                 <a:latin typeface="Saira Medium" pitchFamily="2" charset="77"/>
               </a:rPr>
               <a:t>Provides real-time obstacle detection, reducing reliance on traditional mobility aids.</a:t>
             </a:r>
-            <a:endParaRPr lang="en-US" altLang="en-US" sz="3200" b="1" dirty="0">
+            <a:endParaRPr lang="en-US" altLang="en-US" sz="3500" b="1" dirty="0">
               <a:latin typeface="Saira Medium" pitchFamily="2" charset="77"/>
             </a:endParaRPr>
           </a:p>
@@ -4442,18 +4431,18 @@
               <a:buChar char="•"/>
             </a:pPr>
             <a:r>
-              <a:rPr lang="en-US" altLang="en-US" sz="3200" b="1" dirty="0">
+              <a:rPr lang="en-US" altLang="en-US" sz="3500" b="1" dirty="0">
                 <a:latin typeface="Saira Medium" pitchFamily="2" charset="77"/>
               </a:rPr>
               <a:t>Increased Accessibility: </a:t>
             </a:r>
             <a:r>
-              <a:rPr lang="en-US" altLang="en-US" sz="3200" dirty="0">
+              <a:rPr lang="en-US" altLang="en-US" sz="3500" dirty="0">
                 <a:latin typeface="Saira Medium" pitchFamily="2" charset="77"/>
               </a:rPr>
               <a:t>Offers an affordable and user-friendly alternative to costly mobility solutions.</a:t>
             </a:r>
-            <a:endParaRPr lang="en-US" altLang="en-US" sz="3200" b="1" dirty="0">
+            <a:endParaRPr lang="en-US" altLang="en-US" sz="3500" b="1" dirty="0">
               <a:latin typeface="Saira Medium" pitchFamily="2" charset="77"/>
             </a:endParaRPr>
           </a:p>
@@ -4466,18 +4455,18 @@
               <a:buChar char="•"/>
             </a:pPr>
             <a:r>
-              <a:rPr lang="en-US" altLang="en-US" sz="3200" b="1" dirty="0">
+              <a:rPr lang="en-US" altLang="en-US" sz="3500" b="1" dirty="0">
                 <a:latin typeface="Saira Medium" pitchFamily="2" charset="77"/>
               </a:rPr>
               <a:t>Improved Safety: </a:t>
             </a:r>
             <a:r>
-              <a:rPr lang="en-US" altLang="en-US" sz="3200" dirty="0">
+              <a:rPr lang="en-US" altLang="en-US" sz="3500" dirty="0">
                 <a:latin typeface="Saira Medium" pitchFamily="2" charset="77"/>
               </a:rPr>
               <a:t>Reduces the risk of collisions with precise, real-time feedback from LiDAR and haptic technology.</a:t>
             </a:r>
-            <a:endParaRPr lang="en-US" altLang="en-US" sz="3200" b="1" dirty="0">
+            <a:endParaRPr lang="en-US" altLang="en-US" sz="3500" b="1" dirty="0">
               <a:latin typeface="Saira Medium" pitchFamily="2" charset="77"/>
             </a:endParaRPr>
           </a:p>
@@ -4490,13 +4479,13 @@
               <a:buChar char="•"/>
             </a:pPr>
             <a:r>
-              <a:rPr lang="en-US" altLang="en-US" sz="3200" b="1" dirty="0">
+              <a:rPr lang="en-US" altLang="en-US" sz="3500" b="1" dirty="0">
                 <a:latin typeface="Saira Medium" pitchFamily="2" charset="77"/>
               </a:rPr>
               <a:t>Personalized Experience: </a:t>
             </a:r>
             <a:r>
-              <a:rPr lang="en-US" altLang="en-US" sz="3200" dirty="0">
+              <a:rPr lang="en-US" altLang="en-US" sz="3500" dirty="0">
                 <a:latin typeface="Saira Medium" pitchFamily="2" charset="77"/>
               </a:rPr>
               <a:t>Customizable settings allow users to tailor navigation assistance to best fit their needs.</a:t>
@@ -4509,7 +4498,7 @@
               </a:lnSpc>
             </a:pPr>
             <a:r>
-              <a:rPr lang="en-US" altLang="en-US" sz="3200" dirty="0">
+              <a:rPr lang="en-US" altLang="en-US" sz="3500" dirty="0">
                 <a:latin typeface="Saira Medium" pitchFamily="2" charset="77"/>
               </a:rPr>
               <a:t>By bridging the gap between technology accessibility, C-ALL fosters inclusivity and expands choices for the visually impaired community.</a:t>
@@ -4522,7 +4511,7 @@
           <p:cNvPr id="4" name="Shape 113">
             <a:extLst>
               <a:ext uri="{FF2B5EF4-FFF2-40B4-BE49-F238E27FC236}">
-                <a16:creationId xmlns:a16="http://schemas.microsoft.com/office/drawing/2014/main" id="{2C052D73-7999-B0B9-B927-1E757144CE33}"/>
+                <a16:creationId xmlns:a16="http://schemas.microsoft.com/office/drawing/2014/main" id="{10933594-8B03-6D9C-1F13-685488DA3659}"/>
               </a:ext>
             </a:extLst>
           </p:cNvPr>
@@ -4533,8 +4522,8 @@
         </p:nvSpPr>
         <p:spPr bwMode="auto">
           <a:xfrm>
-            <a:off x="1828799" y="6645060"/>
-            <a:ext cx="40614601" cy="2768721"/>
+            <a:off x="1853503" y="6929147"/>
+            <a:ext cx="40184194" cy="2768721"/>
           </a:xfrm>
           <a:prstGeom prst="rect">
             <a:avLst/>
@@ -4705,7 +4694,7 @@
               </a:lnSpc>
             </a:pPr>
             <a:r>
-              <a:rPr lang="en-US" altLang="en-US" sz="3200" b="1" dirty="0">
+              <a:rPr lang="en-US" altLang="en-US" sz="3500" b="1" dirty="0">
                 <a:latin typeface="Saira Medium" pitchFamily="2" charset="77"/>
               </a:rPr>
               <a:t>C-ALL aims to enhance mobility for visually impaired individuals through a smart wearable device. Using LiDAR technology, haptic feedback, and a mobile application, it provides real-time obstacle detection and intuitive navigation assistance. C-ALL also aims to bridge the gap by offering an affordable and user-friendly alternative to traditional mobility aids.</a:t>
@@ -4718,7 +4707,7 @@
           <p:cNvPr id="8" name="Picture 7" descr="A blueprint of a drawing of several circular objects&#10;&#10;AI-generated content may be incorrect.">
             <a:extLst>
               <a:ext uri="{FF2B5EF4-FFF2-40B4-BE49-F238E27FC236}">
-                <a16:creationId xmlns:a16="http://schemas.microsoft.com/office/drawing/2014/main" id="{6841760D-B05E-3ABC-4626-8FDADCED79F0}"/>
+                <a16:creationId xmlns:a16="http://schemas.microsoft.com/office/drawing/2014/main" id="{9C848637-DE13-41C4-DF5A-5D2A655A13D0}"/>
               </a:ext>
             </a:extLst>
           </p:cNvPr>
@@ -4747,7 +4736,7 @@
           <p:cNvPr id="9" name="Picture 8" descr="A screenshot of a phone&#10;&#10;AI-generated content may be incorrect.">
             <a:extLst>
               <a:ext uri="{FF2B5EF4-FFF2-40B4-BE49-F238E27FC236}">
-                <a16:creationId xmlns:a16="http://schemas.microsoft.com/office/drawing/2014/main" id="{93155825-E9DF-4DE0-A192-8A12B312DAC9}"/>
+                <a16:creationId xmlns:a16="http://schemas.microsoft.com/office/drawing/2014/main" id="{4BB11619-CC33-E64B-2223-83B08C409B4B}"/>
               </a:ext>
             </a:extLst>
           </p:cNvPr>
@@ -4777,7 +4766,7 @@
           <p:cNvPr id="10" name="Picture 9" descr="A logo with blue and black circles&#10;&#10;AI-generated content may be incorrect.">
             <a:extLst>
               <a:ext uri="{FF2B5EF4-FFF2-40B4-BE49-F238E27FC236}">
-                <a16:creationId xmlns:a16="http://schemas.microsoft.com/office/drawing/2014/main" id="{C15656A7-F2B1-6969-DED8-EBEC8B460F1A}"/>
+                <a16:creationId xmlns:a16="http://schemas.microsoft.com/office/drawing/2014/main" id="{8B32624A-D235-3D18-6D32-33F667E8551D}"/>
               </a:ext>
             </a:extLst>
           </p:cNvPr>
@@ -4807,7 +4796,7 @@
     </p:spTree>
     <p:extLst>
       <p:ext uri="{BB962C8B-B14F-4D97-AF65-F5344CB8AC3E}">
-        <p14:creationId xmlns:p14="http://schemas.microsoft.com/office/powerpoint/2010/main" val="3565918475"/>
+        <p14:creationId xmlns:p14="http://schemas.microsoft.com/office/powerpoint/2010/main" val="2797081393"/>
       </p:ext>
     </p:extLst>
   </p:cSld>
